--- a/_4 Validation/Level Calibration Analysis.pptx
+++ b/_4 Validation/Level Calibration Analysis.pptx
@@ -218,7 +218,7 @@
           <a:p>
             <a:fld id="{9B059E67-D686-45CA-B9F4-C64C354AF467}" type="datetimeFigureOut">
               <a:rPr lang="en-US" smtClean="0"/>
-              <a:t>5/20/2025</a:t>
+              <a:t>8/14/2025</a:t>
             </a:fld>
             <a:endParaRPr lang="en-US"/>
           </a:p>
@@ -1036,7 +1036,7 @@
             <a:fld id="{875A8442-1A62-49A9-9A81-4C62FA7E6364}" type="datetimeFigureOut">
               <a:rPr lang="en-US" smtClean="0"/>
               <a:pPr/>
-              <a:t>5/20/2025</a:t>
+              <a:t>8/14/2025</a:t>
             </a:fld>
             <a:r>
               <a:rPr lang="en-US" dirty="0"/>
@@ -1285,7 +1285,7 @@
           <a:p>
             <a:fld id="{875A8442-1A62-49A9-9A81-4C62FA7E6364}" type="datetimeFigureOut">
               <a:rPr lang="en-US" smtClean="0"/>
-              <a:t>5/20/2025</a:t>
+              <a:t>8/14/2025</a:t>
             </a:fld>
             <a:endParaRPr lang="en-US"/>
           </a:p>
@@ -1471,7 +1471,7 @@
           <a:p>
             <a:fld id="{875A8442-1A62-49A9-9A81-4C62FA7E6364}" type="datetimeFigureOut">
               <a:rPr lang="en-US" smtClean="0"/>
-              <a:t>5/20/2025</a:t>
+              <a:t>8/14/2025</a:t>
             </a:fld>
             <a:endParaRPr lang="en-US"/>
           </a:p>
@@ -1647,7 +1647,7 @@
           <a:p>
             <a:fld id="{875A8442-1A62-49A9-9A81-4C62FA7E6364}" type="datetimeFigureOut">
               <a:rPr lang="en-US" smtClean="0"/>
-              <a:t>5/20/2025</a:t>
+              <a:t>8/14/2025</a:t>
             </a:fld>
             <a:endParaRPr lang="en-US"/>
           </a:p>
@@ -1900,7 +1900,7 @@
           <a:p>
             <a:fld id="{875A8442-1A62-49A9-9A81-4C62FA7E6364}" type="datetimeFigureOut">
               <a:rPr lang="en-US" smtClean="0"/>
-              <a:t>5/20/2025</a:t>
+              <a:t>8/14/2025</a:t>
             </a:fld>
             <a:endParaRPr lang="en-US"/>
           </a:p>
@@ -2193,7 +2193,7 @@
           <a:p>
             <a:fld id="{875A8442-1A62-49A9-9A81-4C62FA7E6364}" type="datetimeFigureOut">
               <a:rPr lang="en-US" smtClean="0"/>
-              <a:t>5/20/2025</a:t>
+              <a:t>8/14/2025</a:t>
             </a:fld>
             <a:endParaRPr lang="en-US"/>
           </a:p>
@@ -2620,7 +2620,7 @@
           <a:p>
             <a:fld id="{875A8442-1A62-49A9-9A81-4C62FA7E6364}" type="datetimeFigureOut">
               <a:rPr lang="en-US" smtClean="0"/>
-              <a:t>5/20/2025</a:t>
+              <a:t>8/14/2025</a:t>
             </a:fld>
             <a:endParaRPr lang="en-US"/>
           </a:p>
@@ -2745,7 +2745,7 @@
           <a:p>
             <a:fld id="{875A8442-1A62-49A9-9A81-4C62FA7E6364}" type="datetimeFigureOut">
               <a:rPr lang="en-US" smtClean="0"/>
-              <a:t>5/20/2025</a:t>
+              <a:t>8/14/2025</a:t>
             </a:fld>
             <a:endParaRPr lang="en-US"/>
           </a:p>
@@ -2848,7 +2848,7 @@
           <a:p>
             <a:fld id="{875A8442-1A62-49A9-9A81-4C62FA7E6364}" type="datetimeFigureOut">
               <a:rPr lang="en-US" smtClean="0"/>
-              <a:t>5/20/2025</a:t>
+              <a:t>8/14/2025</a:t>
             </a:fld>
             <a:endParaRPr lang="en-US"/>
           </a:p>
@@ -3131,7 +3131,7 @@
           <a:p>
             <a:fld id="{875A8442-1A62-49A9-9A81-4C62FA7E6364}" type="datetimeFigureOut">
               <a:rPr lang="en-US" smtClean="0"/>
-              <a:t>5/20/2025</a:t>
+              <a:t>8/14/2025</a:t>
             </a:fld>
             <a:endParaRPr lang="en-US"/>
           </a:p>
@@ -3391,7 +3391,7 @@
           <a:p>
             <a:fld id="{875A8442-1A62-49A9-9A81-4C62FA7E6364}" type="datetimeFigureOut">
               <a:rPr lang="en-US" smtClean="0"/>
-              <a:t>5/20/2025</a:t>
+              <a:t>8/14/2025</a:t>
             </a:fld>
             <a:endParaRPr lang="en-US"/>
           </a:p>
@@ -3683,7 +3683,7 @@
             <a:fld id="{875A8442-1A62-49A9-9A81-4C62FA7E6364}" type="datetimeFigureOut">
               <a:rPr lang="en-US" smtClean="0"/>
               <a:pPr/>
-              <a:t>5/20/2025</a:t>
+              <a:t>8/14/2025</a:t>
             </a:fld>
             <a:r>
               <a:rPr lang="en-US" dirty="0"/>
@@ -4267,6 +4267,63 @@
           </a:prstGeom>
         </p:spPr>
       </p:pic>
+      <p:sp>
+        <p:nvSpPr>
+          <p:cNvPr id="5" name="Speech Bubble: Rectangle 4">
+            <a:extLst>
+              <a:ext uri="{FF2B5EF4-FFF2-40B4-BE49-F238E27FC236}">
+                <a16:creationId xmlns:a16="http://schemas.microsoft.com/office/drawing/2014/main" id="{240AEFF5-92E2-1D7D-ED01-B52032C45E2E}"/>
+              </a:ext>
+            </a:extLst>
+          </p:cNvPr>
+          <p:cNvSpPr/>
+          <p:nvPr/>
+        </p:nvSpPr>
+        <p:spPr>
+          <a:xfrm>
+            <a:off x="4076700" y="5791200"/>
+            <a:ext cx="1447140" cy="456215"/>
+          </a:xfrm>
+          <a:prstGeom prst="wedgeRectCallout">
+            <a:avLst>
+              <a:gd name="adj1" fmla="val -82980"/>
+              <a:gd name="adj2" fmla="val -36822"/>
+            </a:avLst>
+          </a:prstGeom>
+        </p:spPr>
+        <p:style>
+          <a:lnRef idx="2">
+            <a:schemeClr val="accent1"/>
+          </a:lnRef>
+          <a:fillRef idx="1">
+            <a:schemeClr val="lt1"/>
+          </a:fillRef>
+          <a:effectRef idx="0">
+            <a:schemeClr val="accent1"/>
+          </a:effectRef>
+          <a:fontRef idx="minor">
+            <a:schemeClr val="dk1"/>
+          </a:fontRef>
+        </p:style>
+        <p:txBody>
+          <a:bodyPr rtlCol="0" anchor="ctr"/>
+          <a:lstStyle/>
+          <a:p>
+            <a:pPr algn="ctr"/>
+            <a:r>
+              <a:rPr lang="en-US" sz="1600" dirty="0"/>
+              <a:t>Target TP </a:t>
+            </a:r>
+          </a:p>
+          <a:p>
+            <a:pPr algn="ctr"/>
+            <a:r>
+              <a:rPr lang="en-US" sz="1600" dirty="0"/>
+              <a:t>Margin</a:t>
+            </a:r>
+          </a:p>
+        </p:txBody>
+      </p:sp>
     </p:spTree>
     <p:extLst>
       <p:ext uri="{BB962C8B-B14F-4D97-AF65-F5344CB8AC3E}">

--- a/_4 Validation/Level Calibration Analysis.pptx
+++ b/_4 Validation/Level Calibration Analysis.pptx
@@ -5,7 +5,7 @@
     <p:sldMasterId id="2147483648" r:id="rId1"/>
   </p:sldMasterIdLst>
   <p:notesMasterIdLst>
-    <p:notesMasterId r:id="rId13"/>
+    <p:notesMasterId r:id="rId14"/>
   </p:notesMasterIdLst>
   <p:sldIdLst>
     <p:sldId id="256" r:id="rId2"/>
@@ -19,6 +19,7 @@
     <p:sldId id="264" r:id="rId10"/>
     <p:sldId id="265" r:id="rId11"/>
     <p:sldId id="266" r:id="rId12"/>
+    <p:sldId id="267" r:id="rId13"/>
   </p:sldIdLst>
   <p:sldSz cx="9144000" cy="6858000" type="screen4x3"/>
   <p:notesSz cx="6858000" cy="9144000"/>
@@ -218,7 +219,7 @@
           <a:p>
             <a:fld id="{9B059E67-D686-45CA-B9F4-C64C354AF467}" type="datetimeFigureOut">
               <a:rPr lang="en-US" smtClean="0"/>
-              <a:t>8/14/2025</a:t>
+              <a:t>9/30/2025</a:t>
             </a:fld>
             <a:endParaRPr lang="en-US"/>
           </a:p>
@@ -1036,7 +1037,7 @@
             <a:fld id="{875A8442-1A62-49A9-9A81-4C62FA7E6364}" type="datetimeFigureOut">
               <a:rPr lang="en-US" smtClean="0"/>
               <a:pPr/>
-              <a:t>8/14/2025</a:t>
+              <a:t>9/30/2025</a:t>
             </a:fld>
             <a:r>
               <a:rPr lang="en-US" dirty="0"/>
@@ -1285,7 +1286,7 @@
           <a:p>
             <a:fld id="{875A8442-1A62-49A9-9A81-4C62FA7E6364}" type="datetimeFigureOut">
               <a:rPr lang="en-US" smtClean="0"/>
-              <a:t>8/14/2025</a:t>
+              <a:t>9/30/2025</a:t>
             </a:fld>
             <a:endParaRPr lang="en-US"/>
           </a:p>
@@ -1471,7 +1472,7 @@
           <a:p>
             <a:fld id="{875A8442-1A62-49A9-9A81-4C62FA7E6364}" type="datetimeFigureOut">
               <a:rPr lang="en-US" smtClean="0"/>
-              <a:t>8/14/2025</a:t>
+              <a:t>9/30/2025</a:t>
             </a:fld>
             <a:endParaRPr lang="en-US"/>
           </a:p>
@@ -1647,7 +1648,7 @@
           <a:p>
             <a:fld id="{875A8442-1A62-49A9-9A81-4C62FA7E6364}" type="datetimeFigureOut">
               <a:rPr lang="en-US" smtClean="0"/>
-              <a:t>8/14/2025</a:t>
+              <a:t>9/30/2025</a:t>
             </a:fld>
             <a:endParaRPr lang="en-US"/>
           </a:p>
@@ -1900,7 +1901,7 @@
           <a:p>
             <a:fld id="{875A8442-1A62-49A9-9A81-4C62FA7E6364}" type="datetimeFigureOut">
               <a:rPr lang="en-US" smtClean="0"/>
-              <a:t>8/14/2025</a:t>
+              <a:t>9/30/2025</a:t>
             </a:fld>
             <a:endParaRPr lang="en-US"/>
           </a:p>
@@ -2193,7 +2194,7 @@
           <a:p>
             <a:fld id="{875A8442-1A62-49A9-9A81-4C62FA7E6364}" type="datetimeFigureOut">
               <a:rPr lang="en-US" smtClean="0"/>
-              <a:t>8/14/2025</a:t>
+              <a:t>9/30/2025</a:t>
             </a:fld>
             <a:endParaRPr lang="en-US"/>
           </a:p>
@@ -2620,7 +2621,7 @@
           <a:p>
             <a:fld id="{875A8442-1A62-49A9-9A81-4C62FA7E6364}" type="datetimeFigureOut">
               <a:rPr lang="en-US" smtClean="0"/>
-              <a:t>8/14/2025</a:t>
+              <a:t>9/30/2025</a:t>
             </a:fld>
             <a:endParaRPr lang="en-US"/>
           </a:p>
@@ -2745,7 +2746,7 @@
           <a:p>
             <a:fld id="{875A8442-1A62-49A9-9A81-4C62FA7E6364}" type="datetimeFigureOut">
               <a:rPr lang="en-US" smtClean="0"/>
-              <a:t>8/14/2025</a:t>
+              <a:t>9/30/2025</a:t>
             </a:fld>
             <a:endParaRPr lang="en-US"/>
           </a:p>
@@ -2848,7 +2849,7 @@
           <a:p>
             <a:fld id="{875A8442-1A62-49A9-9A81-4C62FA7E6364}" type="datetimeFigureOut">
               <a:rPr lang="en-US" smtClean="0"/>
-              <a:t>8/14/2025</a:t>
+              <a:t>9/30/2025</a:t>
             </a:fld>
             <a:endParaRPr lang="en-US"/>
           </a:p>
@@ -3131,7 +3132,7 @@
           <a:p>
             <a:fld id="{875A8442-1A62-49A9-9A81-4C62FA7E6364}" type="datetimeFigureOut">
               <a:rPr lang="en-US" smtClean="0"/>
-              <a:t>8/14/2025</a:t>
+              <a:t>9/30/2025</a:t>
             </a:fld>
             <a:endParaRPr lang="en-US"/>
           </a:p>
@@ -3391,7 +3392,7 @@
           <a:p>
             <a:fld id="{875A8442-1A62-49A9-9A81-4C62FA7E6364}" type="datetimeFigureOut">
               <a:rPr lang="en-US" smtClean="0"/>
-              <a:t>8/14/2025</a:t>
+              <a:t>9/30/2025</a:t>
             </a:fld>
             <a:endParaRPr lang="en-US"/>
           </a:p>
@@ -3683,7 +3684,7 @@
             <a:fld id="{875A8442-1A62-49A9-9A81-4C62FA7E6364}" type="datetimeFigureOut">
               <a:rPr lang="en-US" smtClean="0"/>
               <a:pPr/>
-              <a:t>8/14/2025</a:t>
+              <a:t>9/30/2025</a:t>
             </a:fld>
             <a:r>
               <a:rPr lang="en-US" dirty="0"/>
@@ -4328,6 +4329,116 @@
     <p:extLst>
       <p:ext uri="{BB962C8B-B14F-4D97-AF65-F5344CB8AC3E}">
         <p14:creationId xmlns:p14="http://schemas.microsoft.com/office/powerpoint/2010/main" val="3446875429"/>
+      </p:ext>
+    </p:extLst>
+  </p:cSld>
+  <p:clrMapOvr>
+    <a:masterClrMapping/>
+  </p:clrMapOvr>
+</p:sld>
+</file>
+
+<file path=ppt/slides/slide12.xml><?xml version="1.0" encoding="utf-8"?>
+<p:sld xmlns:a="http://schemas.openxmlformats.org/drawingml/2006/main" xmlns:r="http://schemas.openxmlformats.org/officeDocument/2006/relationships" xmlns:p="http://schemas.openxmlformats.org/presentationml/2006/main">
+  <p:cSld>
+    <p:spTree>
+      <p:nvGrpSpPr>
+        <p:cNvPr id="1" name=""/>
+        <p:cNvGrpSpPr/>
+        <p:nvPr/>
+      </p:nvGrpSpPr>
+      <p:grpSpPr>
+        <a:xfrm>
+          <a:off x="0" y="0"/>
+          <a:ext cx="0" cy="0"/>
+          <a:chOff x="0" y="0"/>
+          <a:chExt cx="0" cy="0"/>
+        </a:xfrm>
+      </p:grpSpPr>
+      <p:sp>
+        <p:nvSpPr>
+          <p:cNvPr id="2" name="Title 1">
+            <a:extLst>
+              <a:ext uri="{FF2B5EF4-FFF2-40B4-BE49-F238E27FC236}">
+                <a16:creationId xmlns:a16="http://schemas.microsoft.com/office/drawing/2014/main" id="{DD9F9754-DCB9-1002-64E2-4D1BCCF478D6}"/>
+              </a:ext>
+            </a:extLst>
+          </p:cNvPr>
+          <p:cNvSpPr>
+            <a:spLocks noGrp="1"/>
+          </p:cNvSpPr>
+          <p:nvPr>
+            <p:ph type="title"/>
+          </p:nvPr>
+        </p:nvSpPr>
+        <p:spPr/>
+        <p:txBody>
+          <a:bodyPr/>
+          <a:lstStyle/>
+          <a:p>
+            <a:endParaRPr lang="en-US"/>
+          </a:p>
+        </p:txBody>
+      </p:sp>
+      <p:sp>
+        <p:nvSpPr>
+          <p:cNvPr id="3" name="Content Placeholder 2">
+            <a:extLst>
+              <a:ext uri="{FF2B5EF4-FFF2-40B4-BE49-F238E27FC236}">
+                <a16:creationId xmlns:a16="http://schemas.microsoft.com/office/drawing/2014/main" id="{CC579EE4-E81A-BEB3-9CE4-61DA09E52C2A}"/>
+              </a:ext>
+            </a:extLst>
+          </p:cNvPr>
+          <p:cNvSpPr>
+            <a:spLocks noGrp="1"/>
+          </p:cNvSpPr>
+          <p:nvPr>
+            <p:ph idx="1"/>
+          </p:nvPr>
+        </p:nvSpPr>
+        <p:spPr/>
+        <p:txBody>
+          <a:bodyPr/>
+          <a:lstStyle/>
+          <a:p>
+            <a:endParaRPr lang="en-US"/>
+          </a:p>
+        </p:txBody>
+      </p:sp>
+      <p:pic>
+        <p:nvPicPr>
+          <p:cNvPr id="5" name="Picture 4">
+            <a:extLst>
+              <a:ext uri="{FF2B5EF4-FFF2-40B4-BE49-F238E27FC236}">
+                <a16:creationId xmlns:a16="http://schemas.microsoft.com/office/drawing/2014/main" id="{5DCD5FDF-A5AD-121E-BE6F-6F812E189D17}"/>
+              </a:ext>
+            </a:extLst>
+          </p:cNvPr>
+          <p:cNvPicPr>
+            <a:picLocks noChangeAspect="1"/>
+          </p:cNvPicPr>
+          <p:nvPr/>
+        </p:nvPicPr>
+        <p:blipFill>
+          <a:blip r:embed="rId2"/>
+          <a:stretch>
+            <a:fillRect/>
+          </a:stretch>
+        </p:blipFill>
+        <p:spPr>
+          <a:xfrm>
+            <a:off x="5181600" y="2514600"/>
+            <a:ext cx="3406617" cy="2964781"/>
+          </a:xfrm>
+          <a:prstGeom prst="rect">
+            <a:avLst/>
+          </a:prstGeom>
+        </p:spPr>
+      </p:pic>
+    </p:spTree>
+    <p:extLst>
+      <p:ext uri="{BB962C8B-B14F-4D97-AF65-F5344CB8AC3E}">
+        <p14:creationId xmlns:p14="http://schemas.microsoft.com/office/powerpoint/2010/main" val="1195631851"/>
       </p:ext>
     </p:extLst>
   </p:cSld>
